--- a/evolotionaereAlgorithmen/trunk/SystemOfEquations/Ergebnisse/Präsi/Präsi.pptx
+++ b/evolotionaereAlgorithmen/trunk/SystemOfEquations/Ergebnisse/Präsi/Präsi.pptx
@@ -6407,6 +6407,13 @@
   <p:clrMapOvr>
     <a:masterClrMapping/>
   </p:clrMapOvr>
+  <p:timing>
+    <p:tnLst>
+      <p:par>
+        <p:cTn id="1" dur="indefinite" restart="never" nodeType="tmRoot"/>
+      </p:par>
+    </p:tnLst>
+  </p:timing>
 </p:sld>
 </file>
 
@@ -6513,6 +6520,13 @@
   <p:clrMapOvr>
     <a:masterClrMapping/>
   </p:clrMapOvr>
+  <p:timing>
+    <p:tnLst>
+      <p:par>
+        <p:cTn id="1" dur="indefinite" restart="never" nodeType="tmRoot"/>
+      </p:par>
+    </p:tnLst>
+  </p:timing>
 </p:sld>
 </file>
 
@@ -6598,6 +6612,13 @@
   <p:clrMapOvr>
     <a:masterClrMapping/>
   </p:clrMapOvr>
+  <p:timing>
+    <p:tnLst>
+      <p:par>
+        <p:cTn id="1" dur="indefinite" restart="never" nodeType="tmRoot"/>
+      </p:par>
+    </p:tnLst>
+  </p:timing>
 </p:sld>
 </file>
 
@@ -7177,7 +7198,7 @@
         <p:spPr>
           <a:xfrm>
             <a:off x="457200" y="1600200"/>
-            <a:ext cx="8229600" cy="3890778"/>
+            <a:ext cx="8229600" cy="3023874"/>
           </a:xfrm>
           <a:prstGeom prst="rect">
             <a:avLst/>
@@ -7258,36 +7279,13 @@
             </a:pPr>
             <a:r>
               <a:rPr lang="de" dirty="0"/>
-              <a:t>Verfahren und Ergebnisse</a:t>
-            </a:r>
-          </a:p>
-          <a:p>
-            <a:pPr marL="914400" lvl="1" indent="-381000" rtl="0">
-              <a:buClr>
-                <a:schemeClr val="dk1"/>
-              </a:buClr>
-              <a:buSzPct val="80000"/>
-              <a:buFont typeface="Georgia"/>
-              <a:buAutoNum type="alphaLcPeriod"/>
-            </a:pPr>
-            <a:r>
-              <a:rPr lang="de" dirty="0"/>
-              <a:t>Binärdarstellung / Relle Darstellung</a:t>
-            </a:r>
-          </a:p>
-          <a:p>
-            <a:pPr marL="914400" lvl="1" indent="-381000">
-              <a:buClr>
-                <a:schemeClr val="dk1"/>
-              </a:buClr>
-              <a:buSzPct val="80000"/>
-              <a:buFont typeface="Georgia"/>
-              <a:buAutoNum type="alphaLcPeriod"/>
-            </a:pPr>
-            <a:r>
-              <a:rPr lang="de" dirty="0"/>
-              <a:t>Mutationsverfahren</a:t>
-            </a:r>
+              <a:t>Verfahren und </a:t>
+            </a:r>
+            <a:r>
+              <a:rPr lang="de" dirty="0" smtClean="0"/>
+              <a:t>Ergebnisse anhand UI</a:t>
+            </a:r>
+            <a:endParaRPr lang="de" dirty="0"/>
           </a:p>
         </p:txBody>
       </p:sp>
@@ -12565,6 +12563,13 @@
   <p:clrMapOvr>
     <a:masterClrMapping/>
   </p:clrMapOvr>
+  <p:timing>
+    <p:tnLst>
+      <p:par>
+        <p:cTn id="1" dur="indefinite" restart="never" nodeType="tmRoot"/>
+      </p:par>
+    </p:tnLst>
+  </p:timing>
 </p:sld>
 </file>
 
